--- a/Slides/5_Vuex.pptx
+++ b/Slides/5_Vuex.pptx
@@ -5,7 +5,7 @@
     <p:sldMasterId id="2147483648" r:id="rId1"/>
   </p:sldMasterIdLst>
   <p:notesMasterIdLst>
-    <p:notesMasterId r:id="rId16"/>
+    <p:notesMasterId r:id="rId20"/>
   </p:notesMasterIdLst>
   <p:sldIdLst>
     <p:sldId id="256" r:id="rId2"/>
@@ -20,8 +20,12 @@
     <p:sldId id="332" r:id="rId11"/>
     <p:sldId id="333" r:id="rId12"/>
     <p:sldId id="334" r:id="rId13"/>
-    <p:sldId id="298" r:id="rId14"/>
-    <p:sldId id="322" r:id="rId15"/>
+    <p:sldId id="336" r:id="rId14"/>
+    <p:sldId id="337" r:id="rId15"/>
+    <p:sldId id="338" r:id="rId16"/>
+    <p:sldId id="298" r:id="rId17"/>
+    <p:sldId id="335" r:id="rId18"/>
+    <p:sldId id="322" r:id="rId19"/>
   </p:sldIdLst>
   <p:sldSz cx="12192000" cy="6858000"/>
   <p:notesSz cx="6858000" cy="9144000"/>
@@ -210,7 +214,7 @@
           <a:p>
             <a:fld id="{FE0698A4-8696-4B25-BC16-7D62971AF3FD}" type="datetimeFigureOut">
               <a:rPr lang="en-US" smtClean="0"/>
-              <a:t>8/10/2021</a:t>
+              <a:t>8/12/2021</a:t>
             </a:fld>
             <a:endParaRPr lang="en-US"/>
           </a:p>
@@ -1215,7 +1219,7 @@
           <a:p>
             <a:fld id="{52B491D6-D58D-44B5-AD9D-0243D7ABB41E}" type="datetimeFigureOut">
               <a:rPr lang="en-US" smtClean="0"/>
-              <a:t>8/10/2021</a:t>
+              <a:t>8/12/2021</a:t>
             </a:fld>
             <a:endParaRPr lang="en-US"/>
           </a:p>
@@ -1413,7 +1417,7 @@
           <a:p>
             <a:fld id="{52B491D6-D58D-44B5-AD9D-0243D7ABB41E}" type="datetimeFigureOut">
               <a:rPr lang="en-US" smtClean="0"/>
-              <a:t>8/10/2021</a:t>
+              <a:t>8/12/2021</a:t>
             </a:fld>
             <a:endParaRPr lang="en-US"/>
           </a:p>
@@ -1621,7 +1625,7 @@
           <a:p>
             <a:fld id="{52B491D6-D58D-44B5-AD9D-0243D7ABB41E}" type="datetimeFigureOut">
               <a:rPr lang="en-US" smtClean="0"/>
-              <a:t>8/10/2021</a:t>
+              <a:t>8/12/2021</a:t>
             </a:fld>
             <a:endParaRPr lang="en-US"/>
           </a:p>
@@ -1944,7 +1948,7 @@
           <a:p>
             <a:fld id="{52B491D6-D58D-44B5-AD9D-0243D7ABB41E}" type="datetimeFigureOut">
               <a:rPr lang="en-US" smtClean="0"/>
-              <a:t>8/10/2021</a:t>
+              <a:t>8/12/2021</a:t>
             </a:fld>
             <a:endParaRPr lang="en-US"/>
           </a:p>
@@ -2219,7 +2223,7 @@
           <a:p>
             <a:fld id="{52B491D6-D58D-44B5-AD9D-0243D7ABB41E}" type="datetimeFigureOut">
               <a:rPr lang="en-US" smtClean="0"/>
-              <a:t>8/10/2021</a:t>
+              <a:t>8/12/2021</a:t>
             </a:fld>
             <a:endParaRPr lang="en-US"/>
           </a:p>
@@ -2484,7 +2488,7 @@
           <a:p>
             <a:fld id="{52B491D6-D58D-44B5-AD9D-0243D7ABB41E}" type="datetimeFigureOut">
               <a:rPr lang="en-US" smtClean="0"/>
-              <a:t>8/10/2021</a:t>
+              <a:t>8/12/2021</a:t>
             </a:fld>
             <a:endParaRPr lang="en-US"/>
           </a:p>
@@ -2896,7 +2900,7 @@
           <a:p>
             <a:fld id="{52B491D6-D58D-44B5-AD9D-0243D7ABB41E}" type="datetimeFigureOut">
               <a:rPr lang="en-US" smtClean="0"/>
-              <a:t>8/10/2021</a:t>
+              <a:t>8/12/2021</a:t>
             </a:fld>
             <a:endParaRPr lang="en-US"/>
           </a:p>
@@ -3037,7 +3041,7 @@
           <a:p>
             <a:fld id="{52B491D6-D58D-44B5-AD9D-0243D7ABB41E}" type="datetimeFigureOut">
               <a:rPr lang="en-US" smtClean="0"/>
-              <a:t>8/10/2021</a:t>
+              <a:t>8/12/2021</a:t>
             </a:fld>
             <a:endParaRPr lang="en-US"/>
           </a:p>
@@ -3150,7 +3154,7 @@
           <a:p>
             <a:fld id="{52B491D6-D58D-44B5-AD9D-0243D7ABB41E}" type="datetimeFigureOut">
               <a:rPr lang="en-US" smtClean="0"/>
-              <a:t>8/10/2021</a:t>
+              <a:t>8/12/2021</a:t>
             </a:fld>
             <a:endParaRPr lang="en-US"/>
           </a:p>
@@ -3461,7 +3465,7 @@
           <a:p>
             <a:fld id="{52B491D6-D58D-44B5-AD9D-0243D7ABB41E}" type="datetimeFigureOut">
               <a:rPr lang="en-US" smtClean="0"/>
-              <a:t>8/10/2021</a:t>
+              <a:t>8/12/2021</a:t>
             </a:fld>
             <a:endParaRPr lang="en-US"/>
           </a:p>
@@ -3749,7 +3753,7 @@
           <a:p>
             <a:fld id="{52B491D6-D58D-44B5-AD9D-0243D7ABB41E}" type="datetimeFigureOut">
               <a:rPr lang="en-US" smtClean="0"/>
-              <a:t>8/10/2021</a:t>
+              <a:t>8/12/2021</a:t>
             </a:fld>
             <a:endParaRPr lang="en-US"/>
           </a:p>
@@ -3990,7 +3994,7 @@
           <a:p>
             <a:fld id="{52B491D6-D58D-44B5-AD9D-0243D7ABB41E}" type="datetimeFigureOut">
               <a:rPr lang="en-US" smtClean="0"/>
-              <a:t>8/10/2021</a:t>
+              <a:t>8/12/2021</a:t>
             </a:fld>
             <a:endParaRPr lang="en-US"/>
           </a:p>
@@ -6195,31 +6199,35 @@
           </a:p>
         </p:txBody>
       </p:sp>
-      <p:sp>
-        <p:nvSpPr>
-          <p:cNvPr id="3" name="Content Placeholder 2">
-            <a:extLst>
-              <a:ext uri="{FF2B5EF4-FFF2-40B4-BE49-F238E27FC236}">
-                <a16:creationId xmlns:a16="http://schemas.microsoft.com/office/drawing/2014/main" id="{62D87D82-00E4-46A1-BBDD-BA0801B3E93A}"/>
-              </a:ext>
-            </a:extLst>
-          </p:cNvPr>
-          <p:cNvSpPr>
-            <a:spLocks noGrp="1"/>
-          </p:cNvSpPr>
+      <p:pic>
+        <p:nvPicPr>
+          <p:cNvPr id="5" name="Content Placeholder 4">
+            <a:extLst>
+              <a:ext uri="{FF2B5EF4-FFF2-40B4-BE49-F238E27FC236}">
+                <a16:creationId xmlns:a16="http://schemas.microsoft.com/office/drawing/2014/main" id="{C3127FF0-A326-414F-B6CC-104BAB5729BF}"/>
+              </a:ext>
+            </a:extLst>
+          </p:cNvPr>
+          <p:cNvPicPr>
+            <a:picLocks noGrp="1" noChangeAspect="1"/>
+          </p:cNvPicPr>
           <p:nvPr>
             <p:ph idx="1"/>
           </p:nvPr>
-        </p:nvSpPr>
-        <p:spPr/>
-        <p:txBody>
-          <a:bodyPr/>
-          <a:lstStyle/>
-          <a:p>
-            <a:endParaRPr lang="en-US"/>
-          </a:p>
-        </p:txBody>
-      </p:sp>
+        </p:nvPicPr>
+        <p:blipFill>
+          <a:blip r:embed="rId2"/>
+          <a:stretch>
+            <a:fillRect/>
+          </a:stretch>
+        </p:blipFill>
+        <p:spPr>
+          <a:xfrm>
+            <a:off x="2294305" y="1825625"/>
+            <a:ext cx="7603390" cy="4351338"/>
+          </a:xfrm>
+        </p:spPr>
+      </p:pic>
     </p:spTree>
     <p:extLst>
       <p:ext uri="{BB962C8B-B14F-4D97-AF65-F5344CB8AC3E}">
@@ -6255,7 +6263,7 @@
           <p:cNvPr id="2" name="Title 1">
             <a:extLst>
               <a:ext uri="{FF2B5EF4-FFF2-40B4-BE49-F238E27FC236}">
-                <a16:creationId xmlns:a16="http://schemas.microsoft.com/office/drawing/2014/main" id="{FDD49ADD-3B18-4A9E-9EC4-D555D0D5A0DD}"/>
+                <a16:creationId xmlns:a16="http://schemas.microsoft.com/office/drawing/2014/main" id="{8F3A3771-856B-4449-9564-F35B90C4E402}"/>
               </a:ext>
             </a:extLst>
           </p:cNvPr>
@@ -6273,48 +6281,44 @@
           <a:p>
             <a:r>
               <a:rPr lang="en-US" dirty="0"/>
-              <a:t>Demo</a:t>
-            </a:r>
-          </a:p>
-        </p:txBody>
-      </p:sp>
-      <p:sp>
-        <p:nvSpPr>
-          <p:cNvPr id="3" name="Text Placeholder 2">
-            <a:extLst>
-              <a:ext uri="{FF2B5EF4-FFF2-40B4-BE49-F238E27FC236}">
-                <a16:creationId xmlns:a16="http://schemas.microsoft.com/office/drawing/2014/main" id="{A6E69730-B437-4E5B-ABAD-52B5B65F6A38}"/>
-              </a:ext>
-            </a:extLst>
-          </p:cNvPr>
-          <p:cNvSpPr>
-            <a:spLocks noGrp="1"/>
-          </p:cNvSpPr>
-          <p:nvPr>
-            <p:ph type="body" idx="1"/>
-          </p:nvPr>
-        </p:nvSpPr>
-        <p:spPr/>
-        <p:txBody>
-          <a:bodyPr/>
-          <a:lstStyle/>
-          <a:p>
-            <a:r>
-              <a:rPr lang="en-US" dirty="0"/>
-              <a:t>Playing Around with </a:t>
-            </a:r>
-            <a:r>
-              <a:rPr lang="en-US" dirty="0" err="1"/>
-              <a:t>Vuex</a:t>
-            </a:r>
-            <a:endParaRPr lang="en-US" dirty="0"/>
-          </a:p>
-        </p:txBody>
-      </p:sp>
+              <a:t>Code Sample</a:t>
+            </a:r>
+          </a:p>
+        </p:txBody>
+      </p:sp>
+      <p:pic>
+        <p:nvPicPr>
+          <p:cNvPr id="7" name="Content Placeholder 6">
+            <a:extLst>
+              <a:ext uri="{FF2B5EF4-FFF2-40B4-BE49-F238E27FC236}">
+                <a16:creationId xmlns:a16="http://schemas.microsoft.com/office/drawing/2014/main" id="{C7376B7E-6145-443D-AD25-E28D133D2FE6}"/>
+              </a:ext>
+            </a:extLst>
+          </p:cNvPr>
+          <p:cNvPicPr>
+            <a:picLocks noGrp="1" noChangeAspect="1"/>
+          </p:cNvPicPr>
+          <p:nvPr>
+            <p:ph idx="1"/>
+          </p:nvPr>
+        </p:nvPicPr>
+        <p:blipFill>
+          <a:blip r:embed="rId2"/>
+          <a:stretch>
+            <a:fillRect/>
+          </a:stretch>
+        </p:blipFill>
+        <p:spPr>
+          <a:xfrm>
+            <a:off x="2457450" y="2610644"/>
+            <a:ext cx="7277100" cy="2781300"/>
+          </a:xfrm>
+        </p:spPr>
+      </p:pic>
     </p:spTree>
     <p:extLst>
       <p:ext uri="{BB962C8B-B14F-4D97-AF65-F5344CB8AC3E}">
-        <p14:creationId xmlns:p14="http://schemas.microsoft.com/office/powerpoint/2010/main" val="2536035319"/>
+        <p14:creationId xmlns:p14="http://schemas.microsoft.com/office/powerpoint/2010/main" val="402332430"/>
       </p:ext>
     </p:extLst>
   </p:cSld>
@@ -6346,6 +6350,358 @@
           <p:cNvPr id="2" name="Title 1">
             <a:extLst>
               <a:ext uri="{FF2B5EF4-FFF2-40B4-BE49-F238E27FC236}">
+                <a16:creationId xmlns:a16="http://schemas.microsoft.com/office/drawing/2014/main" id="{50473D3E-7073-48B2-A938-080CC8E871DA}"/>
+              </a:ext>
+            </a:extLst>
+          </p:cNvPr>
+          <p:cNvSpPr>
+            <a:spLocks noGrp="1"/>
+          </p:cNvSpPr>
+          <p:nvPr>
+            <p:ph type="title"/>
+          </p:nvPr>
+        </p:nvSpPr>
+        <p:spPr/>
+        <p:txBody>
+          <a:bodyPr/>
+          <a:lstStyle/>
+          <a:p>
+            <a:r>
+              <a:rPr lang="en-US" dirty="0"/>
+              <a:t>Subscribing to State</a:t>
+            </a:r>
+          </a:p>
+        </p:txBody>
+      </p:sp>
+      <p:pic>
+        <p:nvPicPr>
+          <p:cNvPr id="9" name="Content Placeholder 8">
+            <a:extLst>
+              <a:ext uri="{FF2B5EF4-FFF2-40B4-BE49-F238E27FC236}">
+                <a16:creationId xmlns:a16="http://schemas.microsoft.com/office/drawing/2014/main" id="{2EF12ACA-D342-4EB1-B05F-14AD2D52FAC6}"/>
+              </a:ext>
+            </a:extLst>
+          </p:cNvPr>
+          <p:cNvPicPr>
+            <a:picLocks noGrp="1" noChangeAspect="1"/>
+          </p:cNvPicPr>
+          <p:nvPr>
+            <p:ph idx="1"/>
+          </p:nvPr>
+        </p:nvPicPr>
+        <p:blipFill>
+          <a:blip r:embed="rId2"/>
+          <a:stretch>
+            <a:fillRect/>
+          </a:stretch>
+        </p:blipFill>
+        <p:spPr>
+          <a:xfrm>
+            <a:off x="2010196" y="1825625"/>
+            <a:ext cx="8171607" cy="4351338"/>
+          </a:xfrm>
+        </p:spPr>
+      </p:pic>
+    </p:spTree>
+    <p:extLst>
+      <p:ext uri="{BB962C8B-B14F-4D97-AF65-F5344CB8AC3E}">
+        <p14:creationId xmlns:p14="http://schemas.microsoft.com/office/powerpoint/2010/main" val="3774693180"/>
+      </p:ext>
+    </p:extLst>
+  </p:cSld>
+  <p:clrMapOvr>
+    <a:masterClrMapping/>
+  </p:clrMapOvr>
+</p:sld>
+</file>
+
+<file path=ppt/slides/slide15.xml><?xml version="1.0" encoding="utf-8"?>
+<p:sld xmlns:a="http://schemas.openxmlformats.org/drawingml/2006/main" xmlns:r="http://schemas.openxmlformats.org/officeDocument/2006/relationships" xmlns:p="http://schemas.openxmlformats.org/presentationml/2006/main">
+  <p:cSld>
+    <p:spTree>
+      <p:nvGrpSpPr>
+        <p:cNvPr id="1" name=""/>
+        <p:cNvGrpSpPr/>
+        <p:nvPr/>
+      </p:nvGrpSpPr>
+      <p:grpSpPr>
+        <a:xfrm>
+          <a:off x="0" y="0"/>
+          <a:ext cx="0" cy="0"/>
+          <a:chOff x="0" y="0"/>
+          <a:chExt cx="0" cy="0"/>
+        </a:xfrm>
+      </p:grpSpPr>
+      <p:sp>
+        <p:nvSpPr>
+          <p:cNvPr id="2" name="Title 1">
+            <a:extLst>
+              <a:ext uri="{FF2B5EF4-FFF2-40B4-BE49-F238E27FC236}">
+                <a16:creationId xmlns:a16="http://schemas.microsoft.com/office/drawing/2014/main" id="{50473D3E-7073-48B2-A938-080CC8E871DA}"/>
+              </a:ext>
+            </a:extLst>
+          </p:cNvPr>
+          <p:cNvSpPr>
+            <a:spLocks noGrp="1"/>
+          </p:cNvSpPr>
+          <p:nvPr>
+            <p:ph type="title"/>
+          </p:nvPr>
+        </p:nvSpPr>
+        <p:spPr/>
+        <p:txBody>
+          <a:bodyPr/>
+          <a:lstStyle/>
+          <a:p>
+            <a:r>
+              <a:rPr lang="en-US" dirty="0"/>
+              <a:t>Subscribing to Actions</a:t>
+            </a:r>
+          </a:p>
+        </p:txBody>
+      </p:sp>
+      <p:pic>
+        <p:nvPicPr>
+          <p:cNvPr id="6" name="Content Placeholder 5">
+            <a:extLst>
+              <a:ext uri="{FF2B5EF4-FFF2-40B4-BE49-F238E27FC236}">
+                <a16:creationId xmlns:a16="http://schemas.microsoft.com/office/drawing/2014/main" id="{47553349-8B7E-4DF8-B670-7C0DE3013E91}"/>
+              </a:ext>
+            </a:extLst>
+          </p:cNvPr>
+          <p:cNvPicPr>
+            <a:picLocks noGrp="1" noChangeAspect="1"/>
+          </p:cNvPicPr>
+          <p:nvPr>
+            <p:ph idx="1"/>
+          </p:nvPr>
+        </p:nvPicPr>
+        <p:blipFill>
+          <a:blip r:embed="rId2"/>
+          <a:stretch>
+            <a:fillRect/>
+          </a:stretch>
+        </p:blipFill>
+        <p:spPr>
+          <a:xfrm>
+            <a:off x="2820476" y="1825625"/>
+            <a:ext cx="6551047" cy="4351338"/>
+          </a:xfrm>
+        </p:spPr>
+      </p:pic>
+    </p:spTree>
+    <p:extLst>
+      <p:ext uri="{BB962C8B-B14F-4D97-AF65-F5344CB8AC3E}">
+        <p14:creationId xmlns:p14="http://schemas.microsoft.com/office/powerpoint/2010/main" val="2898822489"/>
+      </p:ext>
+    </p:extLst>
+  </p:cSld>
+  <p:clrMapOvr>
+    <a:masterClrMapping/>
+  </p:clrMapOvr>
+</p:sld>
+</file>
+
+<file path=ppt/slides/slide16.xml><?xml version="1.0" encoding="utf-8"?>
+<p:sld xmlns:a="http://schemas.openxmlformats.org/drawingml/2006/main" xmlns:r="http://schemas.openxmlformats.org/officeDocument/2006/relationships" xmlns:p="http://schemas.openxmlformats.org/presentationml/2006/main">
+  <p:cSld>
+    <p:spTree>
+      <p:nvGrpSpPr>
+        <p:cNvPr id="1" name=""/>
+        <p:cNvGrpSpPr/>
+        <p:nvPr/>
+      </p:nvGrpSpPr>
+      <p:grpSpPr>
+        <a:xfrm>
+          <a:off x="0" y="0"/>
+          <a:ext cx="0" cy="0"/>
+          <a:chOff x="0" y="0"/>
+          <a:chExt cx="0" cy="0"/>
+        </a:xfrm>
+      </p:grpSpPr>
+      <p:sp>
+        <p:nvSpPr>
+          <p:cNvPr id="2" name="Title 1">
+            <a:extLst>
+              <a:ext uri="{FF2B5EF4-FFF2-40B4-BE49-F238E27FC236}">
+                <a16:creationId xmlns:a16="http://schemas.microsoft.com/office/drawing/2014/main" id="{FDD49ADD-3B18-4A9E-9EC4-D555D0D5A0DD}"/>
+              </a:ext>
+            </a:extLst>
+          </p:cNvPr>
+          <p:cNvSpPr>
+            <a:spLocks noGrp="1"/>
+          </p:cNvSpPr>
+          <p:nvPr>
+            <p:ph type="title"/>
+          </p:nvPr>
+        </p:nvSpPr>
+        <p:spPr/>
+        <p:txBody>
+          <a:bodyPr/>
+          <a:lstStyle/>
+          <a:p>
+            <a:r>
+              <a:rPr lang="en-US" dirty="0"/>
+              <a:t>Demo</a:t>
+            </a:r>
+          </a:p>
+        </p:txBody>
+      </p:sp>
+      <p:sp>
+        <p:nvSpPr>
+          <p:cNvPr id="3" name="Text Placeholder 2">
+            <a:extLst>
+              <a:ext uri="{FF2B5EF4-FFF2-40B4-BE49-F238E27FC236}">
+                <a16:creationId xmlns:a16="http://schemas.microsoft.com/office/drawing/2014/main" id="{A6E69730-B437-4E5B-ABAD-52B5B65F6A38}"/>
+              </a:ext>
+            </a:extLst>
+          </p:cNvPr>
+          <p:cNvSpPr>
+            <a:spLocks noGrp="1"/>
+          </p:cNvSpPr>
+          <p:nvPr>
+            <p:ph type="body" idx="1"/>
+          </p:nvPr>
+        </p:nvSpPr>
+        <p:spPr/>
+        <p:txBody>
+          <a:bodyPr/>
+          <a:lstStyle/>
+          <a:p>
+            <a:r>
+              <a:rPr lang="en-US" dirty="0"/>
+              <a:t>Playing Around with </a:t>
+            </a:r>
+            <a:r>
+              <a:rPr lang="en-US" dirty="0" err="1"/>
+              <a:t>Vuex</a:t>
+            </a:r>
+            <a:endParaRPr lang="en-US" dirty="0"/>
+          </a:p>
+        </p:txBody>
+      </p:sp>
+    </p:spTree>
+    <p:extLst>
+      <p:ext uri="{BB962C8B-B14F-4D97-AF65-F5344CB8AC3E}">
+        <p14:creationId xmlns:p14="http://schemas.microsoft.com/office/powerpoint/2010/main" val="2536035319"/>
+      </p:ext>
+    </p:extLst>
+  </p:cSld>
+  <p:clrMapOvr>
+    <a:masterClrMapping/>
+  </p:clrMapOvr>
+</p:sld>
+</file>
+
+<file path=ppt/slides/slide17.xml><?xml version="1.0" encoding="utf-8"?>
+<p:sld xmlns:a="http://schemas.openxmlformats.org/drawingml/2006/main" xmlns:r="http://schemas.openxmlformats.org/officeDocument/2006/relationships" xmlns:p="http://schemas.openxmlformats.org/presentationml/2006/main">
+  <p:cSld>
+    <p:spTree>
+      <p:nvGrpSpPr>
+        <p:cNvPr id="1" name=""/>
+        <p:cNvGrpSpPr/>
+        <p:nvPr/>
+      </p:nvGrpSpPr>
+      <p:grpSpPr>
+        <a:xfrm>
+          <a:off x="0" y="0"/>
+          <a:ext cx="0" cy="0"/>
+          <a:chOff x="0" y="0"/>
+          <a:chExt cx="0" cy="0"/>
+        </a:xfrm>
+      </p:grpSpPr>
+      <p:sp>
+        <p:nvSpPr>
+          <p:cNvPr id="4" name="Title 3">
+            <a:extLst>
+              <a:ext uri="{FF2B5EF4-FFF2-40B4-BE49-F238E27FC236}">
+                <a16:creationId xmlns:a16="http://schemas.microsoft.com/office/drawing/2014/main" id="{A6828D4F-21A1-466B-9FBA-2B5C2D4F90F4}"/>
+              </a:ext>
+            </a:extLst>
+          </p:cNvPr>
+          <p:cNvSpPr>
+            <a:spLocks noGrp="1"/>
+          </p:cNvSpPr>
+          <p:nvPr>
+            <p:ph type="title"/>
+          </p:nvPr>
+        </p:nvSpPr>
+        <p:spPr/>
+        <p:txBody>
+          <a:bodyPr/>
+          <a:lstStyle/>
+          <a:p>
+            <a:r>
+              <a:rPr lang="en-US" dirty="0"/>
+              <a:t>Getters</a:t>
+            </a:r>
+          </a:p>
+        </p:txBody>
+      </p:sp>
+      <p:pic>
+        <p:nvPicPr>
+          <p:cNvPr id="7" name="Content Placeholder 6">
+            <a:extLst>
+              <a:ext uri="{FF2B5EF4-FFF2-40B4-BE49-F238E27FC236}">
+                <a16:creationId xmlns:a16="http://schemas.microsoft.com/office/drawing/2014/main" id="{D47C7710-40F2-4078-AE18-B3CDC63853C1}"/>
+              </a:ext>
+            </a:extLst>
+          </p:cNvPr>
+          <p:cNvPicPr>
+            <a:picLocks noGrp="1" noChangeAspect="1"/>
+          </p:cNvPicPr>
+          <p:nvPr>
+            <p:ph idx="1"/>
+          </p:nvPr>
+        </p:nvPicPr>
+        <p:blipFill>
+          <a:blip r:embed="rId2"/>
+          <a:stretch>
+            <a:fillRect/>
+          </a:stretch>
+        </p:blipFill>
+        <p:spPr>
+          <a:xfrm>
+            <a:off x="838200" y="2215912"/>
+            <a:ext cx="10515600" cy="3570764"/>
+          </a:xfrm>
+        </p:spPr>
+      </p:pic>
+    </p:spTree>
+    <p:extLst>
+      <p:ext uri="{BB962C8B-B14F-4D97-AF65-F5344CB8AC3E}">
+        <p14:creationId xmlns:p14="http://schemas.microsoft.com/office/powerpoint/2010/main" val="3905427598"/>
+      </p:ext>
+    </p:extLst>
+  </p:cSld>
+  <p:clrMapOvr>
+    <a:masterClrMapping/>
+  </p:clrMapOvr>
+</p:sld>
+</file>
+
+<file path=ppt/slides/slide18.xml><?xml version="1.0" encoding="utf-8"?>
+<p:sld xmlns:a="http://schemas.openxmlformats.org/drawingml/2006/main" xmlns:r="http://schemas.openxmlformats.org/officeDocument/2006/relationships" xmlns:p="http://schemas.openxmlformats.org/presentationml/2006/main">
+  <p:cSld>
+    <p:spTree>
+      <p:nvGrpSpPr>
+        <p:cNvPr id="1" name=""/>
+        <p:cNvGrpSpPr/>
+        <p:nvPr/>
+      </p:nvGrpSpPr>
+      <p:grpSpPr>
+        <a:xfrm>
+          <a:off x="0" y="0"/>
+          <a:ext cx="0" cy="0"/>
+          <a:chOff x="0" y="0"/>
+          <a:chExt cx="0" cy="0"/>
+        </a:xfrm>
+      </p:grpSpPr>
+      <p:sp>
+        <p:nvSpPr>
+          <p:cNvPr id="2" name="Title 1">
+            <a:extLst>
+              <a:ext uri="{FF2B5EF4-FFF2-40B4-BE49-F238E27FC236}">
                 <a16:creationId xmlns:a16="http://schemas.microsoft.com/office/drawing/2014/main" id="{396E8D6E-C0AB-44A7-A98D-844F72EBFD2A}"/>
               </a:ext>
             </a:extLst>
@@ -6438,7 +6794,7 @@
             </a:pPr>
             <a:r>
               <a:rPr lang="en-US" dirty="0"/>
-              <a:t>Length: 15 minutes</a:t>
+              <a:t>Length: 20 minutes</a:t>
             </a:r>
           </a:p>
         </p:txBody>
